--- a/AI Hackathon.pptx
+++ b/AI Hackathon.pptx
@@ -369,7 +369,7 @@
             <a:fld id="{B61BEF0D-F0BB-DE4B-95CE-6DB70DBA9567}" type="datetimeFigureOut">
               <a:rPr lang="en-US" dirty="0"/>
               <a:pPr/>
-              <a:t>8/26/2014</a:t>
+              <a:t>9/2/2014</a:t>
             </a:fld>
             <a:endParaRPr lang="en-US" dirty="0"/>
           </a:p>
@@ -700,7 +700,7 @@
             <a:fld id="{B61BEF0D-F0BB-DE4B-95CE-6DB70DBA9567}" type="datetimeFigureOut">
               <a:rPr lang="en-US" dirty="0"/>
               <a:pPr/>
-              <a:t>8/26/2014</a:t>
+              <a:t>9/2/2014</a:t>
             </a:fld>
             <a:endParaRPr lang="en-US" dirty="0"/>
           </a:p>
@@ -975,7 +975,7 @@
             <a:fld id="{B61BEF0D-F0BB-DE4B-95CE-6DB70DBA9567}" type="datetimeFigureOut">
               <a:rPr lang="en-US" dirty="0"/>
               <a:pPr/>
-              <a:t>8/26/2014</a:t>
+              <a:t>9/2/2014</a:t>
             </a:fld>
             <a:endParaRPr lang="en-US" dirty="0"/>
           </a:p>
@@ -1540,7 +1540,7 @@
             <a:fld id="{B61BEF0D-F0BB-DE4B-95CE-6DB70DBA9567}" type="datetimeFigureOut">
               <a:rPr lang="en-US" dirty="0"/>
               <a:pPr/>
-              <a:t>8/26/2014</a:t>
+              <a:t>9/2/2014</a:t>
             </a:fld>
             <a:endParaRPr lang="en-US" dirty="0"/>
           </a:p>
@@ -1815,7 +1815,7 @@
             <a:fld id="{B61BEF0D-F0BB-DE4B-95CE-6DB70DBA9567}" type="datetimeFigureOut">
               <a:rPr lang="en-US" dirty="0"/>
               <a:pPr/>
-              <a:t>8/26/2014</a:t>
+              <a:t>9/2/2014</a:t>
             </a:fld>
             <a:endParaRPr lang="en-US" dirty="0"/>
           </a:p>
@@ -2374,7 +2374,7 @@
             <a:fld id="{B61BEF0D-F0BB-DE4B-95CE-6DB70DBA9567}" type="datetimeFigureOut">
               <a:rPr lang="en-US" dirty="0"/>
               <a:pPr/>
-              <a:t>8/26/2014</a:t>
+              <a:t>9/2/2014</a:t>
             </a:fld>
             <a:endParaRPr lang="en-US" dirty="0"/>
           </a:p>
@@ -2698,7 +2698,7 @@
             <a:fld id="{B61BEF0D-F0BB-DE4B-95CE-6DB70DBA9567}" type="datetimeFigureOut">
               <a:rPr lang="en-US" dirty="0"/>
               <a:pPr/>
-              <a:t>8/26/2014</a:t>
+              <a:t>9/2/2014</a:t>
             </a:fld>
             <a:endParaRPr lang="en-US" dirty="0"/>
           </a:p>
@@ -2872,7 +2872,7 @@
             <a:fld id="{B61BEF0D-F0BB-DE4B-95CE-6DB70DBA9567}" type="datetimeFigureOut">
               <a:rPr lang="en-US" dirty="0"/>
               <a:pPr/>
-              <a:t>8/26/2014</a:t>
+              <a:t>9/2/2014</a:t>
             </a:fld>
             <a:endParaRPr lang="en-US" dirty="0"/>
           </a:p>
@@ -3107,7 +3107,7 @@
             <a:fld id="{B61BEF0D-F0BB-DE4B-95CE-6DB70DBA9567}" type="datetimeFigureOut">
               <a:rPr lang="en-US" dirty="0"/>
               <a:pPr/>
-              <a:t>8/26/2014</a:t>
+              <a:t>9/2/2014</a:t>
             </a:fld>
             <a:endParaRPr lang="en-US" dirty="0"/>
           </a:p>
@@ -3304,7 +3304,7 @@
             <a:fld id="{B61BEF0D-F0BB-DE4B-95CE-6DB70DBA9567}" type="datetimeFigureOut">
               <a:rPr lang="en-US" dirty="0"/>
               <a:pPr/>
-              <a:t>8/26/2014</a:t>
+              <a:t>9/2/2014</a:t>
             </a:fld>
             <a:endParaRPr lang="en-US" dirty="0"/>
           </a:p>
@@ -3577,7 +3577,7 @@
             <a:fld id="{B61BEF0D-F0BB-DE4B-95CE-6DB70DBA9567}" type="datetimeFigureOut">
               <a:rPr lang="en-US" dirty="0"/>
               <a:pPr/>
-              <a:t>8/26/2014</a:t>
+              <a:t>9/2/2014</a:t>
             </a:fld>
             <a:endParaRPr lang="en-US" dirty="0"/>
           </a:p>
@@ -3840,7 +3840,7 @@
             <a:fld id="{B61BEF0D-F0BB-DE4B-95CE-6DB70DBA9567}" type="datetimeFigureOut">
               <a:rPr lang="en-US" dirty="0"/>
               <a:pPr/>
-              <a:t>8/26/2014</a:t>
+              <a:t>9/2/2014</a:t>
             </a:fld>
             <a:endParaRPr lang="en-US" dirty="0"/>
           </a:p>
@@ -4211,7 +4211,7 @@
             <a:fld id="{B61BEF0D-F0BB-DE4B-95CE-6DB70DBA9567}" type="datetimeFigureOut">
               <a:rPr lang="en-US" dirty="0"/>
               <a:pPr/>
-              <a:t>8/26/2014</a:t>
+              <a:t>9/2/2014</a:t>
             </a:fld>
             <a:endParaRPr lang="en-US" dirty="0"/>
           </a:p>
@@ -4356,7 +4356,7 @@
             <a:fld id="{B61BEF0D-F0BB-DE4B-95CE-6DB70DBA9567}" type="datetimeFigureOut">
               <a:rPr lang="en-US" dirty="0"/>
               <a:pPr/>
-              <a:t>8/26/2014</a:t>
+              <a:t>9/2/2014</a:t>
             </a:fld>
             <a:endParaRPr lang="en-US" dirty="0"/>
           </a:p>
@@ -4478,7 +4478,7 @@
             <a:fld id="{B61BEF0D-F0BB-DE4B-95CE-6DB70DBA9567}" type="datetimeFigureOut">
               <a:rPr lang="en-US" dirty="0"/>
               <a:pPr/>
-              <a:t>8/26/2014</a:t>
+              <a:t>9/2/2014</a:t>
             </a:fld>
             <a:endParaRPr lang="en-US" dirty="0"/>
           </a:p>
@@ -4760,7 +4760,7 @@
             <a:fld id="{B61BEF0D-F0BB-DE4B-95CE-6DB70DBA9567}" type="datetimeFigureOut">
               <a:rPr lang="en-US" dirty="0"/>
               <a:pPr/>
-              <a:t>8/26/2014</a:t>
+              <a:t>9/2/2014</a:t>
             </a:fld>
             <a:endParaRPr lang="en-US" dirty="0"/>
           </a:p>
@@ -5081,7 +5081,7 @@
             <a:fld id="{B61BEF0D-F0BB-DE4B-95CE-6DB70DBA9567}" type="datetimeFigureOut">
               <a:rPr lang="en-US" dirty="0"/>
               <a:pPr/>
-              <a:t>8/26/2014</a:t>
+              <a:t>9/2/2014</a:t>
             </a:fld>
             <a:endParaRPr lang="en-US" dirty="0"/>
           </a:p>
@@ -5292,7 +5292,7 @@
             <a:fld id="{B61BEF0D-F0BB-DE4B-95CE-6DB70DBA9567}" type="datetimeFigureOut">
               <a:rPr lang="en-US" dirty="0"/>
               <a:pPr/>
-              <a:t>8/26/2014</a:t>
+              <a:t>9/2/2014</a:t>
             </a:fld>
             <a:endParaRPr lang="en-US" dirty="0"/>
           </a:p>
@@ -7074,11 +7074,7 @@
             <a:pPr algn="ctr"/>
             <a:r>
               <a:rPr lang="en-US" dirty="0" smtClean="0"/>
-              <a:t>Tank </a:t>
-            </a:r>
-            <a:r>
-              <a:rPr lang="en-US" dirty="0" smtClean="0"/>
-              <a:t>Direction</a:t>
+              <a:t>Tank Direction</a:t>
             </a:r>
             <a:endParaRPr lang="en-US" dirty="0"/>
           </a:p>
@@ -9423,7 +9419,7 @@
         </p:blipFill>
         <p:spPr>
           <a:xfrm>
-            <a:off x="2620995" y="1611871"/>
+            <a:off x="2655338" y="1770897"/>
             <a:ext cx="6563641" cy="3896269"/>
           </a:xfrm>
           <a:prstGeom prst="rect">
@@ -9661,7 +9657,7 @@
         </p:blipFill>
         <p:spPr>
           <a:xfrm>
-            <a:off x="0" y="1335519"/>
+            <a:off x="-16217" y="1061266"/>
             <a:ext cx="12192000" cy="5171531"/>
           </a:xfrm>
           <a:prstGeom prst="rect">
